--- a/writeup/figures/TAB_COMP_Diagram.pptx
+++ b/writeup/figures/TAB_COMP_Diagram.pptx
@@ -3162,7 +3162,7 @@
         </p:blipFill>
         <p:spPr>
           <a:xfrm>
-            <a:off x="2065087" y="945674"/>
+            <a:off x="2025758" y="945674"/>
             <a:ext cx="1964924" cy="2003888"/>
           </a:xfrm>
           <a:prstGeom prst="rect">
@@ -3544,8 +3544,8 @@
         </p:nvSpPr>
         <p:spPr>
           <a:xfrm>
-            <a:off x="1566157" y="466785"/>
-            <a:ext cx="2595582" cy="338554"/>
+            <a:off x="1282634" y="466785"/>
+            <a:ext cx="3339376" cy="338554"/>
           </a:xfrm>
           <a:prstGeom prst="rect">
             <a:avLst/>
@@ -3563,7 +3563,7 @@
                 <a:latin typeface="Calibri"/>
                 <a:cs typeface="Calibri"/>
               </a:rPr>
-              <a:t>Server hosting HTML/JS/CSS</a:t>
+              <a:t>Server hosting HTML/JavaScript/CSS</a:t>
             </a:r>
             <a:endParaRPr lang="en-US" sz="1600" b="1" dirty="0">
               <a:latin typeface="Calibri"/>
@@ -3846,7 +3846,7 @@
             </a:pPr>
             <a:r>
               <a:rPr lang="en-US" sz="1600" dirty="0" smtClean="0"/>
-              <a:t>From a web browser on the tablet, the user visits the experiment webpage hosted on a server.</a:t>
+              <a:t>From a web browser on the tablet, the user visits the experiment webpage hosted on a web-based server.</a:t>
             </a:r>
           </a:p>
           <a:p>
@@ -3859,15 +3859,7 @@
             </a:pPr>
             <a:r>
               <a:rPr lang="en-US" sz="1600" dirty="0" smtClean="0"/>
-              <a:t>The webpage interacts with the participant via </a:t>
-            </a:r>
-            <a:r>
-              <a:rPr lang="en-US" sz="1600" dirty="0" err="1" smtClean="0"/>
-              <a:t>javascript</a:t>
-            </a:r>
-            <a:r>
-              <a:rPr lang="en-US" sz="1600" dirty="0" smtClean="0"/>
-              <a:t> code.</a:t>
+              <a:t>The webpage interacts with the participant via JavaScript code.</a:t>
             </a:r>
           </a:p>
           <a:p>
@@ -3880,15 +3872,7 @@
             </a:pPr>
             <a:r>
               <a:rPr lang="en-US" sz="1600" dirty="0" smtClean="0"/>
-              <a:t>After the last trial, the </a:t>
-            </a:r>
-            <a:r>
-              <a:rPr lang="en-US" sz="1600" dirty="0" err="1" smtClean="0"/>
-              <a:t>javascript</a:t>
-            </a:r>
-            <a:r>
-              <a:rPr lang="en-US" sz="1600" dirty="0" smtClean="0"/>
-              <a:t> calls a PHP script that is also on a web server. This script appends the participant’s data to a tabular data file.</a:t>
+              <a:t>After the last trial, the JavaScript calls a PHP script that is also on a web-based server. This script logs the participant’s data to a tabular data file.</a:t>
             </a:r>
           </a:p>
           <a:p>
